--- a/docs/EpiDEMExtendedPresentation.pptx
+++ b/docs/EpiDEMExtendedPresentation.pptx
@@ -12722,53 +12722,6 @@
           </a:bodyPr>
           <a:lstStyle/>
           <a:p>
-            <a:pPr marL="0" indent="0">
-              <a:buNone/>
-            </a:pPr>
-            <a:r>
-              <a:rPr lang="it-IT" dirty="0" err="1">
-                <a:latin typeface="Calibri" panose="020F0502020204030204" pitchFamily="34" charset="0"/>
-                <a:cs typeface="Calibri" panose="020F0502020204030204" pitchFamily="34" charset="0"/>
-              </a:rPr>
-              <a:t>Results</a:t>
-            </a:r>
-            <a:r>
-              <a:rPr lang="it-IT" dirty="0">
-                <a:latin typeface="Calibri" panose="020F0502020204030204" pitchFamily="34" charset="0"/>
-                <a:cs typeface="Calibri" panose="020F0502020204030204" pitchFamily="34" charset="0"/>
-              </a:rPr>
-              <a:t> of a quarantine </a:t>
-            </a:r>
-            <a:r>
-              <a:rPr lang="it-IT" dirty="0" err="1">
-                <a:latin typeface="Calibri" panose="020F0502020204030204" pitchFamily="34" charset="0"/>
-                <a:cs typeface="Calibri" panose="020F0502020204030204" pitchFamily="34" charset="0"/>
-              </a:rPr>
-              <a:t>level</a:t>
-            </a:r>
-            <a:r>
-              <a:rPr lang="it-IT" dirty="0">
-                <a:latin typeface="Calibri" panose="020F0502020204030204" pitchFamily="34" charset="0"/>
-                <a:cs typeface="Calibri" panose="020F0502020204030204" pitchFamily="34" charset="0"/>
-              </a:rPr>
-              <a:t> 2 </a:t>
-            </a:r>
-            <a:r>
-              <a:rPr lang="it-IT" dirty="0" err="1">
-                <a:latin typeface="Calibri" panose="020F0502020204030204" pitchFamily="34" charset="0"/>
-                <a:cs typeface="Calibri" panose="020F0502020204030204" pitchFamily="34" charset="0"/>
-              </a:rPr>
-              <a:t>run</a:t>
-            </a:r>
-            <a:r>
-              <a:rPr lang="it-IT" dirty="0">
-                <a:latin typeface="Calibri" panose="020F0502020204030204" pitchFamily="34" charset="0"/>
-                <a:cs typeface="Calibri" panose="020F0502020204030204" pitchFamily="34" charset="0"/>
-              </a:rPr>
-              <a:t>:</a:t>
-            </a:r>
-          </a:p>
-          <a:p>
             <a:pPr>
               <a:buFont typeface="Arial" panose="020B0604020202020204" pitchFamily="34" charset="0"/>
               <a:buChar char="•"/>
@@ -13172,53 +13125,6 @@
             <a:normAutofit/>
           </a:bodyPr>
           <a:lstStyle/>
-          <a:p>
-            <a:pPr marL="0" indent="0">
-              <a:buNone/>
-            </a:pPr>
-            <a:r>
-              <a:rPr lang="it-IT" dirty="0" err="1">
-                <a:latin typeface="Calibri" panose="020F0502020204030204" pitchFamily="34" charset="0"/>
-                <a:cs typeface="Calibri" panose="020F0502020204030204" pitchFamily="34" charset="0"/>
-              </a:rPr>
-              <a:t>Results</a:t>
-            </a:r>
-            <a:r>
-              <a:rPr lang="it-IT" dirty="0">
-                <a:latin typeface="Calibri" panose="020F0502020204030204" pitchFamily="34" charset="0"/>
-                <a:cs typeface="Calibri" panose="020F0502020204030204" pitchFamily="34" charset="0"/>
-              </a:rPr>
-              <a:t> of a quarantine </a:t>
-            </a:r>
-            <a:r>
-              <a:rPr lang="it-IT" dirty="0" err="1">
-                <a:latin typeface="Calibri" panose="020F0502020204030204" pitchFamily="34" charset="0"/>
-                <a:cs typeface="Calibri" panose="020F0502020204030204" pitchFamily="34" charset="0"/>
-              </a:rPr>
-              <a:t>level</a:t>
-            </a:r>
-            <a:r>
-              <a:rPr lang="it-IT" dirty="0">
-                <a:latin typeface="Calibri" panose="020F0502020204030204" pitchFamily="34" charset="0"/>
-                <a:cs typeface="Calibri" panose="020F0502020204030204" pitchFamily="34" charset="0"/>
-              </a:rPr>
-              <a:t> 3 </a:t>
-            </a:r>
-            <a:r>
-              <a:rPr lang="it-IT" dirty="0" err="1">
-                <a:latin typeface="Calibri" panose="020F0502020204030204" pitchFamily="34" charset="0"/>
-                <a:cs typeface="Calibri" panose="020F0502020204030204" pitchFamily="34" charset="0"/>
-              </a:rPr>
-              <a:t>run</a:t>
-            </a:r>
-            <a:r>
-              <a:rPr lang="it-IT" dirty="0">
-                <a:latin typeface="Calibri" panose="020F0502020204030204" pitchFamily="34" charset="0"/>
-                <a:cs typeface="Calibri" panose="020F0502020204030204" pitchFamily="34" charset="0"/>
-              </a:rPr>
-              <a:t>:</a:t>
-            </a:r>
-          </a:p>
           <a:p>
             <a:pPr>
               <a:buFont typeface="Arial" panose="020B0604020202020204" pitchFamily="34" charset="0"/>

--- a/docs/EpiDEMExtendedPresentation.pptx
+++ b/docs/EpiDEMExtendedPresentation.pptx
@@ -15527,7 +15527,7 @@
         </p:nvCxnSpPr>
         <p:spPr>
           <a:xfrm>
-            <a:off x="3479181" y="2245092"/>
+            <a:off x="3479181" y="2184132"/>
             <a:ext cx="1577897" cy="0"/>
           </a:xfrm>
           <a:prstGeom prst="line">
@@ -15571,7 +15571,7 @@
         </p:nvCxnSpPr>
         <p:spPr>
           <a:xfrm flipV="1">
-            <a:off x="3479181" y="3233847"/>
+            <a:off x="3479181" y="3172887"/>
             <a:ext cx="1577897" cy="6"/>
           </a:xfrm>
           <a:prstGeom prst="line">
@@ -15612,7 +15612,7 @@
         </p:nvSpPr>
         <p:spPr>
           <a:xfrm>
-            <a:off x="5057078" y="2245092"/>
+            <a:off x="5057078" y="2184132"/>
             <a:ext cx="256478" cy="988755"/>
           </a:xfrm>
           <a:prstGeom prst="rightBrace">
@@ -15661,7 +15661,7 @@
         </p:nvSpPr>
         <p:spPr>
           <a:xfrm>
-            <a:off x="5313556" y="2508636"/>
+            <a:off x="5313556" y="2439750"/>
             <a:ext cx="3311913" cy="461665"/>
           </a:xfrm>
           <a:prstGeom prst="rect">
@@ -17310,7 +17310,7 @@
         </p:nvSpPr>
         <p:spPr>
           <a:xfrm>
-            <a:off x="6936058" y="4634566"/>
+            <a:off x="6936058" y="4614246"/>
             <a:ext cx="2798957" cy="461665"/>
           </a:xfrm>
           <a:prstGeom prst="rect">
